--- a/Documents/BFS & A Viva Slides.pptx
+++ b/Documents/BFS & A Viva Slides.pptx
@@ -111,6 +111,11 @@
       </a:defRPr>
     </a:lvl9pPr>
   </p:defaultTextStyle>
+  <p:extLst>
+    <p:ext uri="{EFAFB233-063F-42B5-8137-9DF3F51BA10A}">
+      <p15:sldGuideLst xmlns:p15="http://schemas.microsoft.com/office/powerpoint/2012/main"/>
+    </p:ext>
+  </p:extLst>
 </p:presentation>
 </file>
 
@@ -17574,7 +17579,9 @@
         </p:nvSpPr>
         <p:spPr/>
         <p:txBody>
-          <a:bodyPr/>
+          <a:bodyPr>
+            <a:normAutofit/>
+          </a:bodyPr>
           <a:lstStyle/>
           <a:p>
             <a:pPr marL="0" indent="0">
@@ -17607,9 +17614,22 @@
             <a:pPr marL="0" indent="0">
               <a:buNone/>
             </a:pPr>
+            <a:endParaRPr lang="en-GB" dirty="0"/>
+          </a:p>
+          <a:p>
+            <a:pPr marL="0" indent="0">
+              <a:buNone/>
+            </a:pPr>
             <a:r>
-              <a:rPr lang="en-GB" dirty="0"/>
-              <a:t>Use this base for other algorithm visualisations or games</a:t>
+              <a:rPr lang="en-GB"/>
+              <a:t>Your turn:</a:t>
+            </a:r>
+            <a:br>
+              <a:rPr lang="en-GB"/>
+            </a:br>
+            <a:r>
+              <a:rPr lang="en-GB"/>
+              <a:t>https://github.com/OTRtee/AIPathfinding-Showcase.git</a:t>
             </a:r>
           </a:p>
         </p:txBody>
